--- a/images/posts/rct1-study-design/images.pptx
+++ b/images/posts/rct1-study-design/images.pptx
@@ -107,6 +107,11 @@
       </a:defRPr>
     </a:lvl9pPr>
   </p:defaultTextStyle>
+  <p:extLst>
+    <p:ext uri="{EFAFB233-063F-42B5-8137-9DF3F51BA10A}">
+      <p15:sldGuideLst xmlns:p15="http://schemas.microsoft.com/office/powerpoint/2012/main"/>
+    </p:ext>
+  </p:extLst>
 </p:presentation>
 </file>
 
@@ -123,7 +128,7 @@
   <pc:docChgLst>
     <pc:chgData name="Klajdi Puka" userId="14444a1dce99cdc7" providerId="LiveId" clId="{EDC3B898-D90E-4E5C-B557-AED108851368}"/>
     <pc:docChg chg="undo custSel addSld modSld">
-      <pc:chgData name="Klajdi Puka" userId="14444a1dce99cdc7" providerId="LiveId" clId="{EDC3B898-D90E-4E5C-B557-AED108851368}" dt="2021-08-17T04:26:38.656" v="95" actId="403"/>
+      <pc:chgData name="Klajdi Puka" userId="14444a1dce99cdc7" providerId="LiveId" clId="{EDC3B898-D90E-4E5C-B557-AED108851368}" dt="2021-08-17T04:58:13.527" v="101" actId="1038"/>
       <pc:docMkLst>
         <pc:docMk/>
       </pc:docMkLst>
@@ -1757,7 +1762,7 @@
         </pc:grpChg>
       </pc:sldChg>
       <pc:sldChg chg="addSp delSp modSp new mod">
-        <pc:chgData name="Klajdi Puka" userId="14444a1dce99cdc7" providerId="LiveId" clId="{EDC3B898-D90E-4E5C-B557-AED108851368}" dt="2021-08-17T04:26:38.656" v="95" actId="403"/>
+        <pc:chgData name="Klajdi Puka" userId="14444a1dce99cdc7" providerId="LiveId" clId="{EDC3B898-D90E-4E5C-B557-AED108851368}" dt="2021-08-17T04:58:13.527" v="101" actId="1038"/>
         <pc:sldMkLst>
           <pc:docMk/>
           <pc:sldMk cId="561056844" sldId="259"/>
@@ -1827,7 +1832,7 @@
           </ac:spMkLst>
         </pc:spChg>
         <pc:spChg chg="add mod">
-          <ac:chgData name="Klajdi Puka" userId="14444a1dce99cdc7" providerId="LiveId" clId="{EDC3B898-D90E-4E5C-B557-AED108851368}" dt="2021-08-17T04:25:03.716" v="60" actId="403"/>
+          <ac:chgData name="Klajdi Puka" userId="14444a1dce99cdc7" providerId="LiveId" clId="{EDC3B898-D90E-4E5C-B557-AED108851368}" dt="2021-08-17T04:58:13.527" v="101" actId="1038"/>
           <ac:spMkLst>
             <pc:docMk/>
             <pc:sldMk cId="561056844" sldId="259"/>
@@ -12937,7 +12942,7 @@
                     </p:nvSpPr>
                     <p:spPr>
                       <a:xfrm>
-                        <a:off x="236053" y="2173741"/>
+                        <a:off x="260262" y="2173741"/>
                         <a:ext cx="127635" cy="163195"/>
                       </a:xfrm>
                       <a:prstGeom prst="rect">
@@ -12981,14 +12986,14 @@
                           </a:spcAft>
                         </a:pPr>
                         <a:r>
-                          <a:rPr lang="en-US" sz="1400">
+                          <a:rPr lang="en-US" sz="1400" dirty="0">
                             <a:effectLst/>
                             <a:ea typeface="Calibri" panose="020F0502020204030204" pitchFamily="34" charset="0"/>
                             <a:cs typeface="Times New Roman" panose="02020603050405020304" pitchFamily="18" charset="0"/>
                           </a:rPr>
                           <a:t>-∆</a:t>
                         </a:r>
-                        <a:endParaRPr lang="en-CA">
+                        <a:endParaRPr lang="en-CA" dirty="0">
                           <a:effectLst/>
                           <a:ea typeface="Calibri" panose="020F0502020204030204" pitchFamily="34" charset="0"/>
                           <a:cs typeface="Times New Roman" panose="02020603050405020304" pitchFamily="18" charset="0"/>

--- a/images/posts/rct1-study-design/images.pptx
+++ b/images/posts/rct1-study-design/images.pptx
@@ -118,7 +118,7 @@
 <file path=ppt/revisionInfo.xml><?xml version="1.0" encoding="utf-8"?>
 <p1510:revInfo xmlns:a="http://schemas.openxmlformats.org/drawingml/2006/main" xmlns:r="http://schemas.openxmlformats.org/officeDocument/2006/relationships" xmlns:p1510="http://schemas.microsoft.com/office/powerpoint/2015/10/main">
   <p1510:revLst>
-    <p1510:client id="{EDC3B898-D90E-4E5C-B557-AED108851368}" v="5" dt="2021-08-17T04:24:58.035"/>
+    <p1510:client id="{EDC3B898-D90E-4E5C-B557-AED108851368}" v="23" dt="2021-08-17T05:09:37.637"/>
   </p1510:revLst>
 </p1510:revInfo>
 </file>
@@ -128,12 +128,12 @@
   <pc:docChgLst>
     <pc:chgData name="Klajdi Puka" userId="14444a1dce99cdc7" providerId="LiveId" clId="{EDC3B898-D90E-4E5C-B557-AED108851368}"/>
     <pc:docChg chg="undo custSel addSld modSld">
-      <pc:chgData name="Klajdi Puka" userId="14444a1dce99cdc7" providerId="LiveId" clId="{EDC3B898-D90E-4E5C-B557-AED108851368}" dt="2021-08-17T04:58:13.527" v="101" actId="1038"/>
+      <pc:chgData name="Klajdi Puka" userId="14444a1dce99cdc7" providerId="LiveId" clId="{EDC3B898-D90E-4E5C-B557-AED108851368}" dt="2021-08-17T05:09:47.583" v="179" actId="1076"/>
       <pc:docMkLst>
         <pc:docMk/>
       </pc:docMkLst>
       <pc:sldChg chg="addSp delSp modSp new mod">
-        <pc:chgData name="Klajdi Puka" userId="14444a1dce99cdc7" providerId="LiveId" clId="{EDC3B898-D90E-4E5C-B557-AED108851368}" dt="2021-08-17T04:23:07.486" v="43" actId="1076"/>
+        <pc:chgData name="Klajdi Puka" userId="14444a1dce99cdc7" providerId="LiveId" clId="{EDC3B898-D90E-4E5C-B557-AED108851368}" dt="2021-08-17T05:08:26.443" v="159" actId="1076"/>
         <pc:sldMkLst>
           <pc:docMk/>
           <pc:sldMk cId="4127661668" sldId="256"/>
@@ -258,6 +258,14 @@
             <ac:spMk id="32" creationId="{D30004A1-C997-4B2C-9D81-9FF43933194E}"/>
           </ac:spMkLst>
         </pc:spChg>
+        <pc:spChg chg="add del mod">
+          <ac:chgData name="Klajdi Puka" userId="14444a1dce99cdc7" providerId="LiveId" clId="{EDC3B898-D90E-4E5C-B557-AED108851368}" dt="2021-08-17T05:08:04.048" v="148" actId="478"/>
+          <ac:spMkLst>
+            <pc:docMk/>
+            <pc:sldMk cId="4127661668" sldId="256"/>
+            <ac:spMk id="33" creationId="{28BF9F09-8905-4915-AFC9-E311FB10B8CC}"/>
+          </ac:spMkLst>
+        </pc:spChg>
         <pc:spChg chg="add mod">
           <ac:chgData name="Klajdi Puka" userId="14444a1dce99cdc7" providerId="LiveId" clId="{EDC3B898-D90E-4E5C-B557-AED108851368}" dt="2021-08-17T04:21:22.804" v="10" actId="403"/>
           <ac:spMkLst>
@@ -802,6 +810,14 @@
             <ac:grpSpMk id="174" creationId="{A32F2CD2-3500-49FB-861A-C112E3CB9C74}"/>
           </ac:grpSpMkLst>
         </pc:grpChg>
+        <pc:picChg chg="add del mod modCrop">
+          <ac:chgData name="Klajdi Puka" userId="14444a1dce99cdc7" providerId="LiveId" clId="{EDC3B898-D90E-4E5C-B557-AED108851368}" dt="2021-08-17T05:08:19.761" v="155" actId="478"/>
+          <ac:picMkLst>
+            <pc:docMk/>
+            <pc:sldMk cId="4127661668" sldId="256"/>
+            <ac:picMk id="2" creationId="{BC2489C1-F752-47E0-8572-3E9E6EA48258}"/>
+          </ac:picMkLst>
+        </pc:picChg>
         <pc:picChg chg="add mod">
           <ac:chgData name="Klajdi Puka" userId="14444a1dce99cdc7" providerId="LiveId" clId="{EDC3B898-D90E-4E5C-B557-AED108851368}" dt="2021-08-17T04:21:05.397" v="5"/>
           <ac:picMkLst>
@@ -875,6 +891,14 @@
           </ac:picMkLst>
         </pc:picChg>
         <pc:picChg chg="add mod">
+          <ac:chgData name="Klajdi Puka" userId="14444a1dce99cdc7" providerId="LiveId" clId="{EDC3B898-D90E-4E5C-B557-AED108851368}" dt="2021-08-17T05:08:24.342" v="158" actId="1076"/>
+          <ac:picMkLst>
+            <pc:docMk/>
+            <pc:sldMk cId="4127661668" sldId="256"/>
+            <ac:picMk id="35" creationId="{898CF283-2E34-45BD-87BF-5CB48C90E1C8}"/>
+          </ac:picMkLst>
+        </pc:picChg>
+        <pc:picChg chg="add mod">
           <ac:chgData name="Klajdi Puka" userId="14444a1dce99cdc7" providerId="LiveId" clId="{EDC3B898-D90E-4E5C-B557-AED108851368}" dt="2021-08-17T04:21:05.397" v="5"/>
           <ac:picMkLst>
             <pc:docMk/>
@@ -891,6 +915,14 @@
           </ac:picMkLst>
         </pc:picChg>
         <pc:picChg chg="add mod">
+          <ac:chgData name="Klajdi Puka" userId="14444a1dce99cdc7" providerId="LiveId" clId="{EDC3B898-D90E-4E5C-B557-AED108851368}" dt="2021-08-17T05:08:26.443" v="159" actId="1076"/>
+          <ac:picMkLst>
+            <pc:docMk/>
+            <pc:sldMk cId="4127661668" sldId="256"/>
+            <ac:picMk id="36" creationId="{68B3868C-9F0F-412B-A64D-9DB98B07F8AC}"/>
+          </ac:picMkLst>
+        </pc:picChg>
+        <pc:picChg chg="add mod">
           <ac:chgData name="Klajdi Puka" userId="14444a1dce99cdc7" providerId="LiveId" clId="{EDC3B898-D90E-4E5C-B557-AED108851368}" dt="2021-08-17T04:21:05.397" v="5"/>
           <ac:picMkLst>
             <pc:docMk/>
@@ -1562,6 +1594,14 @@
             <ac:picMk id="192" creationId="{6C479722-0512-40D7-B1E8-273B16F76101}"/>
           </ac:picMkLst>
         </pc:picChg>
+        <pc:picChg chg="add del mod">
+          <ac:chgData name="Klajdi Puka" userId="14444a1dce99cdc7" providerId="LiveId" clId="{EDC3B898-D90E-4E5C-B557-AED108851368}" dt="2021-08-17T05:08:02.576" v="146" actId="478"/>
+          <ac:picMkLst>
+            <pc:docMk/>
+            <pc:sldMk cId="4127661668" sldId="256"/>
+            <ac:picMk id="1026" creationId="{FE010EB8-5E32-429D-AD53-C114800D2BA4}"/>
+          </ac:picMkLst>
+        </pc:picChg>
         <pc:cxnChg chg="add mod">
           <ac:chgData name="Klajdi Puka" userId="14444a1dce99cdc7" providerId="LiveId" clId="{EDC3B898-D90E-4E5C-B557-AED108851368}" dt="2021-08-17T04:21:05.397" v="5"/>
           <ac:cxnSpMkLst>
@@ -1659,12 +1699,44 @@
           </ac:cxnSpMkLst>
         </pc:cxnChg>
       </pc:sldChg>
-      <pc:sldChg chg="delSp modSp add mod">
-        <pc:chgData name="Klajdi Puka" userId="14444a1dce99cdc7" providerId="LiveId" clId="{EDC3B898-D90E-4E5C-B557-AED108851368}" dt="2021-08-17T04:23:14.887" v="45" actId="1076"/>
+      <pc:sldChg chg="addSp delSp modSp add mod">
+        <pc:chgData name="Klajdi Puka" userId="14444a1dce99cdc7" providerId="LiveId" clId="{EDC3B898-D90E-4E5C-B557-AED108851368}" dt="2021-08-17T05:09:26.498" v="171" actId="1076"/>
         <pc:sldMkLst>
           <pc:docMk/>
           <pc:sldMk cId="4210091957" sldId="257"/>
         </pc:sldMkLst>
+        <pc:spChg chg="mod">
+          <ac:chgData name="Klajdi Puka" userId="14444a1dce99cdc7" providerId="LiveId" clId="{EDC3B898-D90E-4E5C-B557-AED108851368}" dt="2021-08-17T05:09:05.179" v="164" actId="1076"/>
+          <ac:spMkLst>
+            <pc:docMk/>
+            <pc:sldMk cId="4210091957" sldId="257"/>
+            <ac:spMk id="162" creationId="{8868FFC8-F0D4-49EC-B704-9A0F8B4E3047}"/>
+          </ac:spMkLst>
+        </pc:spChg>
+        <pc:spChg chg="mod">
+          <ac:chgData name="Klajdi Puka" userId="14444a1dce99cdc7" providerId="LiveId" clId="{EDC3B898-D90E-4E5C-B557-AED108851368}" dt="2021-08-17T05:09:05.179" v="164" actId="1076"/>
+          <ac:spMkLst>
+            <pc:docMk/>
+            <pc:sldMk cId="4210091957" sldId="257"/>
+            <ac:spMk id="163" creationId="{485E93F9-F142-4926-8221-EDB5F01FA10D}"/>
+          </ac:spMkLst>
+        </pc:spChg>
+        <pc:spChg chg="mod">
+          <ac:chgData name="Klajdi Puka" userId="14444a1dce99cdc7" providerId="LiveId" clId="{EDC3B898-D90E-4E5C-B557-AED108851368}" dt="2021-08-17T05:09:05.179" v="164" actId="1076"/>
+          <ac:spMkLst>
+            <pc:docMk/>
+            <pc:sldMk cId="4210091957" sldId="257"/>
+            <ac:spMk id="164" creationId="{66E370C4-9309-4A0B-8501-8B3145727217}"/>
+          </ac:spMkLst>
+        </pc:spChg>
+        <pc:spChg chg="mod">
+          <ac:chgData name="Klajdi Puka" userId="14444a1dce99cdc7" providerId="LiveId" clId="{EDC3B898-D90E-4E5C-B557-AED108851368}" dt="2021-08-17T05:09:05.179" v="164" actId="1076"/>
+          <ac:spMkLst>
+            <pc:docMk/>
+            <pc:sldMk cId="4210091957" sldId="257"/>
+            <ac:spMk id="165" creationId="{33338CAE-64ED-493D-8637-3001EA19DE30}"/>
+          </ac:spMkLst>
+        </pc:spChg>
         <pc:spChg chg="mod">
           <ac:chgData name="Klajdi Puka" userId="14444a1dce99cdc7" providerId="LiveId" clId="{EDC3B898-D90E-4E5C-B557-AED108851368}" dt="2021-08-17T04:23:14.887" v="45" actId="1076"/>
           <ac:spMkLst>
@@ -1697,9 +1769,89 @@
             <ac:grpSpMk id="152" creationId="{51D9F4A1-DB02-486F-9438-2024EC46383C}"/>
           </ac:grpSpMkLst>
         </pc:grpChg>
+        <pc:picChg chg="add mod">
+          <ac:chgData name="Klajdi Puka" userId="14444a1dce99cdc7" providerId="LiveId" clId="{EDC3B898-D90E-4E5C-B557-AED108851368}" dt="2021-08-17T05:09:22.491" v="169" actId="1076"/>
+          <ac:picMkLst>
+            <pc:docMk/>
+            <pc:sldMk cId="4210091957" sldId="257"/>
+            <ac:picMk id="43" creationId="{01C1B8A1-540B-4776-A4D6-B3CF03A97663}"/>
+          </ac:picMkLst>
+        </pc:picChg>
+        <pc:picChg chg="add mod">
+          <ac:chgData name="Klajdi Puka" userId="14444a1dce99cdc7" providerId="LiveId" clId="{EDC3B898-D90E-4E5C-B557-AED108851368}" dt="2021-08-17T05:09:22.491" v="169" actId="1076"/>
+          <ac:picMkLst>
+            <pc:docMk/>
+            <pc:sldMk cId="4210091957" sldId="257"/>
+            <ac:picMk id="44" creationId="{3144B405-91D0-4F86-BA67-8E1DCD4F2BED}"/>
+          </ac:picMkLst>
+        </pc:picChg>
+        <pc:picChg chg="add mod">
+          <ac:chgData name="Klajdi Puka" userId="14444a1dce99cdc7" providerId="LiveId" clId="{EDC3B898-D90E-4E5C-B557-AED108851368}" dt="2021-08-17T05:09:15.967" v="167" actId="571"/>
+          <ac:picMkLst>
+            <pc:docMk/>
+            <pc:sldMk cId="4210091957" sldId="257"/>
+            <ac:picMk id="45" creationId="{7B7DE4EF-9DF6-4AB2-A0A3-69CE3738324F}"/>
+          </ac:picMkLst>
+        </pc:picChg>
+        <pc:picChg chg="add mod">
+          <ac:chgData name="Klajdi Puka" userId="14444a1dce99cdc7" providerId="LiveId" clId="{EDC3B898-D90E-4E5C-B557-AED108851368}" dt="2021-08-17T05:09:26.498" v="171" actId="1076"/>
+          <ac:picMkLst>
+            <pc:docMk/>
+            <pc:sldMk cId="4210091957" sldId="257"/>
+            <ac:picMk id="46" creationId="{E2AF7BD1-0015-4AEB-8271-9CD9951EE239}"/>
+          </ac:picMkLst>
+        </pc:picChg>
+        <pc:picChg chg="add mod">
+          <ac:chgData name="Klajdi Puka" userId="14444a1dce99cdc7" providerId="LiveId" clId="{EDC3B898-D90E-4E5C-B557-AED108851368}" dt="2021-08-17T05:09:26.498" v="171" actId="1076"/>
+          <ac:picMkLst>
+            <pc:docMk/>
+            <pc:sldMk cId="4210091957" sldId="257"/>
+            <ac:picMk id="47" creationId="{DE0508BC-1E82-46A5-8D79-621B9323083F}"/>
+          </ac:picMkLst>
+        </pc:picChg>
+        <pc:picChg chg="mod">
+          <ac:chgData name="Klajdi Puka" userId="14444a1dce99cdc7" providerId="LiveId" clId="{EDC3B898-D90E-4E5C-B557-AED108851368}" dt="2021-08-17T05:09:05.179" v="164" actId="1076"/>
+          <ac:picMkLst>
+            <pc:docMk/>
+            <pc:sldMk cId="4210091957" sldId="257"/>
+            <ac:picMk id="154" creationId="{10C155C8-974A-47A2-A6F8-A58598936937}"/>
+          </ac:picMkLst>
+        </pc:picChg>
+        <pc:picChg chg="mod">
+          <ac:chgData name="Klajdi Puka" userId="14444a1dce99cdc7" providerId="LiveId" clId="{EDC3B898-D90E-4E5C-B557-AED108851368}" dt="2021-08-17T05:09:05.179" v="164" actId="1076"/>
+          <ac:picMkLst>
+            <pc:docMk/>
+            <pc:sldMk cId="4210091957" sldId="257"/>
+            <ac:picMk id="157" creationId="{29123693-1CC0-4A5F-9EB5-1714A3966369}"/>
+          </ac:picMkLst>
+        </pc:picChg>
+        <pc:picChg chg="mod">
+          <ac:chgData name="Klajdi Puka" userId="14444a1dce99cdc7" providerId="LiveId" clId="{EDC3B898-D90E-4E5C-B557-AED108851368}" dt="2021-08-17T05:09:05.179" v="164" actId="1076"/>
+          <ac:picMkLst>
+            <pc:docMk/>
+            <pc:sldMk cId="4210091957" sldId="257"/>
+            <ac:picMk id="158" creationId="{AB86B2FF-A414-4D02-A2DA-5C23B55B9054}"/>
+          </ac:picMkLst>
+        </pc:picChg>
+        <pc:picChg chg="mod">
+          <ac:chgData name="Klajdi Puka" userId="14444a1dce99cdc7" providerId="LiveId" clId="{EDC3B898-D90E-4E5C-B557-AED108851368}" dt="2021-08-17T05:09:05.179" v="164" actId="1076"/>
+          <ac:picMkLst>
+            <pc:docMk/>
+            <pc:sldMk cId="4210091957" sldId="257"/>
+            <ac:picMk id="160" creationId="{AE3FDFAC-79D6-4CBA-81DD-F6F3E3C48B48}"/>
+          </ac:picMkLst>
+        </pc:picChg>
+        <pc:picChg chg="mod">
+          <ac:chgData name="Klajdi Puka" userId="14444a1dce99cdc7" providerId="LiveId" clId="{EDC3B898-D90E-4E5C-B557-AED108851368}" dt="2021-08-17T05:09:05.179" v="164" actId="1076"/>
+          <ac:picMkLst>
+            <pc:docMk/>
+            <pc:sldMk cId="4210091957" sldId="257"/>
+            <ac:picMk id="161" creationId="{2FB41208-0302-46BD-B820-9631F8478526}"/>
+          </ac:picMkLst>
+        </pc:picChg>
       </pc:sldChg>
-      <pc:sldChg chg="delSp modSp add mod">
-        <pc:chgData name="Klajdi Puka" userId="14444a1dce99cdc7" providerId="LiveId" clId="{EDC3B898-D90E-4E5C-B557-AED108851368}" dt="2021-08-17T04:23:35.955" v="50" actId="1076"/>
+      <pc:sldChg chg="addSp delSp modSp add mod">
+        <pc:chgData name="Klajdi Puka" userId="14444a1dce99cdc7" providerId="LiveId" clId="{EDC3B898-D90E-4E5C-B557-AED108851368}" dt="2021-08-17T05:09:47.583" v="179" actId="1076"/>
         <pc:sldMkLst>
           <pc:docMk/>
           <pc:sldMk cId="1201252031" sldId="258"/>
@@ -1760,6 +1912,38 @@
             <ac:grpSpMk id="152" creationId="{51D9F4A1-DB02-486F-9438-2024EC46383C}"/>
           </ac:grpSpMkLst>
         </pc:grpChg>
+        <pc:picChg chg="add mod">
+          <ac:chgData name="Klajdi Puka" userId="14444a1dce99cdc7" providerId="LiveId" clId="{EDC3B898-D90E-4E5C-B557-AED108851368}" dt="2021-08-17T05:09:44.695" v="177" actId="1076"/>
+          <ac:picMkLst>
+            <pc:docMk/>
+            <pc:sldMk cId="1201252031" sldId="258"/>
+            <ac:picMk id="60" creationId="{588DF5B0-BAED-4A3D-8FF7-A8ADE8E7D523}"/>
+          </ac:picMkLst>
+        </pc:picChg>
+        <pc:picChg chg="add mod">
+          <ac:chgData name="Klajdi Puka" userId="14444a1dce99cdc7" providerId="LiveId" clId="{EDC3B898-D90E-4E5C-B557-AED108851368}" dt="2021-08-17T05:09:43.046" v="176" actId="14100"/>
+          <ac:picMkLst>
+            <pc:docMk/>
+            <pc:sldMk cId="1201252031" sldId="258"/>
+            <ac:picMk id="61" creationId="{4770E1EC-F4EA-4A6B-87B6-7FBFBC4A59D1}"/>
+          </ac:picMkLst>
+        </pc:picChg>
+        <pc:picChg chg="add mod">
+          <ac:chgData name="Klajdi Puka" userId="14444a1dce99cdc7" providerId="LiveId" clId="{EDC3B898-D90E-4E5C-B557-AED108851368}" dt="2021-08-17T05:09:47.583" v="179" actId="1076"/>
+          <ac:picMkLst>
+            <pc:docMk/>
+            <pc:sldMk cId="1201252031" sldId="258"/>
+            <ac:picMk id="62" creationId="{3AE92CAC-3ACA-41AC-A9A9-3056CCDEB712}"/>
+          </ac:picMkLst>
+        </pc:picChg>
+        <pc:picChg chg="add mod">
+          <ac:chgData name="Klajdi Puka" userId="14444a1dce99cdc7" providerId="LiveId" clId="{EDC3B898-D90E-4E5C-B557-AED108851368}" dt="2021-08-17T05:09:45.951" v="178" actId="1076"/>
+          <ac:picMkLst>
+            <pc:docMk/>
+            <pc:sldMk cId="1201252031" sldId="258"/>
+            <ac:picMk id="63" creationId="{21C108DE-09B3-4321-A984-1C9AF99AFF4F}"/>
+          </ac:picMkLst>
+        </pc:picChg>
       </pc:sldChg>
       <pc:sldChg chg="addSp delSp modSp new mod">
         <pc:chgData name="Klajdi Puka" userId="14444a1dce99cdc7" providerId="LiveId" clId="{EDC3B898-D90E-4E5C-B557-AED108851368}" dt="2021-08-17T04:58:13.527" v="101" actId="1038"/>
@@ -6580,14 +6764,14 @@
                   </a:spcAft>
                 </a:pPr>
                 <a:r>
-                  <a:rPr lang="en-US">
+                  <a:rPr lang="en-US" dirty="0">
                     <a:effectLst/>
                     <a:ea typeface="Calibri" panose="020F0502020204030204" pitchFamily="34" charset="0"/>
                     <a:cs typeface="Times New Roman" panose="02020603050405020304" pitchFamily="18" charset="0"/>
                   </a:rPr>
                   <a:t>Treatment A</a:t>
                 </a:r>
-                <a:endParaRPr lang="en-CA">
+                <a:endParaRPr lang="en-CA" dirty="0">
                   <a:effectLst/>
                   <a:ea typeface="Calibri" panose="020F0502020204030204" pitchFamily="34" charset="0"/>
                   <a:cs typeface="Times New Roman" panose="02020603050405020304" pitchFamily="18" charset="0"/>
@@ -6718,6 +6902,64 @@
           </p:spPr>
         </p:pic>
       </p:grpSp>
+      <p:pic>
+        <p:nvPicPr>
+          <p:cNvPr id="35" name="Picture 34">
+            <a:extLst>
+              <a:ext uri="{FF2B5EF4-FFF2-40B4-BE49-F238E27FC236}">
+                <a16:creationId xmlns:a16="http://schemas.microsoft.com/office/drawing/2014/main" id="{898CF283-2E34-45BD-87BF-5CB48C90E1C8}"/>
+              </a:ext>
+            </a:extLst>
+          </p:cNvPr>
+          <p:cNvPicPr>
+            <a:picLocks noChangeAspect="1"/>
+          </p:cNvPicPr>
+          <p:nvPr/>
+        </p:nvPicPr>
+        <p:blipFill rotWithShape="1">
+          <a:blip r:embed="rId6"/>
+          <a:srcRect l="12080" r="12269"/>
+          <a:stretch/>
+        </p:blipFill>
+        <p:spPr>
+          <a:xfrm>
+            <a:off x="9487169" y="3075814"/>
+            <a:ext cx="688907" cy="913556"/>
+          </a:xfrm>
+          <a:prstGeom prst="rect">
+            <a:avLst/>
+          </a:prstGeom>
+        </p:spPr>
+      </p:pic>
+      <p:pic>
+        <p:nvPicPr>
+          <p:cNvPr id="36" name="Picture 35">
+            <a:extLst>
+              <a:ext uri="{FF2B5EF4-FFF2-40B4-BE49-F238E27FC236}">
+                <a16:creationId xmlns:a16="http://schemas.microsoft.com/office/drawing/2014/main" id="{68B3868C-9F0F-412B-A64D-9DB98B07F8AC}"/>
+              </a:ext>
+            </a:extLst>
+          </p:cNvPr>
+          <p:cNvPicPr>
+            <a:picLocks noChangeAspect="1"/>
+          </p:cNvPicPr>
+          <p:nvPr/>
+        </p:nvPicPr>
+        <p:blipFill rotWithShape="1">
+          <a:blip r:embed="rId6"/>
+          <a:srcRect l="12080" r="12269"/>
+          <a:stretch/>
+        </p:blipFill>
+        <p:spPr>
+          <a:xfrm>
+            <a:off x="9466393" y="2150169"/>
+            <a:ext cx="688907" cy="913556"/>
+          </a:xfrm>
+          <a:prstGeom prst="rect">
+            <a:avLst/>
+          </a:prstGeom>
+        </p:spPr>
+      </p:pic>
     </p:spTree>
     <p:extLst>
       <p:ext uri="{BB962C8B-B14F-4D97-AF65-F5344CB8AC3E}">
@@ -6763,9 +7005,9 @@
         <p:grpSpPr>
           <a:xfrm>
             <a:off x="1348936" y="2439505"/>
-            <a:ext cx="9516032" cy="1447367"/>
+            <a:ext cx="9954792" cy="1447367"/>
             <a:chOff x="209947" y="172695"/>
-            <a:chExt cx="5538074" cy="842537"/>
+            <a:chExt cx="5793421" cy="842537"/>
           </a:xfrm>
         </p:grpSpPr>
         <p:grpSp>
@@ -6783,9 +7025,9 @@
           <p:grpSpPr>
             <a:xfrm>
               <a:off x="209947" y="172695"/>
-              <a:ext cx="5538074" cy="842537"/>
+              <a:ext cx="5793421" cy="842537"/>
               <a:chOff x="181388" y="172695"/>
-              <a:chExt cx="5538629" cy="842537"/>
+              <a:chExt cx="5794001" cy="842537"/>
             </a:xfrm>
           </p:grpSpPr>
           <p:grpSp>
@@ -6803,9 +7045,9 @@
             <p:grpSpPr>
               <a:xfrm>
                 <a:off x="181388" y="172695"/>
-                <a:ext cx="5538629" cy="842537"/>
+                <a:ext cx="5794001" cy="842537"/>
                 <a:chOff x="181388" y="172695"/>
-                <a:chExt cx="5538629" cy="842537"/>
+                <a:chExt cx="5794001" cy="842537"/>
               </a:xfrm>
             </p:grpSpPr>
             <p:grpSp>
@@ -8077,7 +8319,7 @@
               </p:blipFill>
               <p:spPr bwMode="auto">
                 <a:xfrm rot="5400000">
-                  <a:off x="4573509" y="706124"/>
+                  <a:off x="4828881" y="706124"/>
                   <a:ext cx="156927" cy="147873"/>
                 </a:xfrm>
                 <a:prstGeom prst="rect">
@@ -8125,7 +8367,7 @@
               </p:blipFill>
               <p:spPr bwMode="auto">
                 <a:xfrm rot="5400000">
-                  <a:off x="4576527" y="313024"/>
+                  <a:off x="4831898" y="313024"/>
                   <a:ext cx="156927" cy="147873"/>
                 </a:xfrm>
                 <a:prstGeom prst="rect">
@@ -8151,7 +8393,7 @@
               </p:nvSpPr>
               <p:spPr>
                 <a:xfrm>
-                  <a:off x="4756087" y="734793"/>
+                  <a:off x="5011459" y="734793"/>
                   <a:ext cx="963930" cy="116205"/>
                 </a:xfrm>
                 <a:prstGeom prst="rightArrow">
@@ -8209,7 +8451,7 @@
               </p:nvSpPr>
               <p:spPr>
                 <a:xfrm>
-                  <a:off x="4756087" y="332639"/>
+                  <a:off x="5011458" y="332639"/>
                   <a:ext cx="943610" cy="116205"/>
                 </a:xfrm>
                 <a:prstGeom prst="rightArrow">
@@ -8267,7 +8509,7 @@
               </p:nvSpPr>
               <p:spPr>
                 <a:xfrm>
-                  <a:off x="4822479" y="806990"/>
+                  <a:off x="5077851" y="806990"/>
                   <a:ext cx="782955" cy="164465"/>
                 </a:xfrm>
                 <a:prstGeom prst="rect">
@@ -8340,7 +8582,7 @@
               </p:nvSpPr>
               <p:spPr>
                 <a:xfrm>
-                  <a:off x="4829635" y="195702"/>
+                  <a:off x="5085006" y="195702"/>
                   <a:ext cx="760095" cy="160020"/>
                 </a:xfrm>
                 <a:prstGeom prst="rect">
@@ -8429,7 +8671,7 @@
             </p:blipFill>
             <p:spPr bwMode="auto">
               <a:xfrm>
-                <a:off x="4166520" y="251309"/>
+                <a:off x="4485882" y="251309"/>
                 <a:ext cx="285491" cy="285491"/>
               </a:xfrm>
               <a:prstGeom prst="rect">
@@ -8470,7 +8712,7 @@
             </p:blipFill>
             <p:spPr bwMode="auto">
               <a:xfrm>
-                <a:off x="4170657" y="649652"/>
+                <a:off x="4490018" y="649652"/>
                 <a:ext cx="285492" cy="285492"/>
               </a:xfrm>
               <a:prstGeom prst="rect">
@@ -8519,7 +8761,7 @@
           </p:blipFill>
           <p:spPr bwMode="auto">
             <a:xfrm rot="4195190">
-              <a:off x="4583927" y="264135"/>
+              <a:off x="4839273" y="264135"/>
               <a:ext cx="151075" cy="143124"/>
             </a:xfrm>
             <a:prstGeom prst="rect">
@@ -8580,6 +8822,122 @@
           </p:spPr>
         </p:pic>
       </p:grpSp>
+      <p:pic>
+        <p:nvPicPr>
+          <p:cNvPr id="43" name="Picture 42">
+            <a:extLst>
+              <a:ext uri="{FF2B5EF4-FFF2-40B4-BE49-F238E27FC236}">
+                <a16:creationId xmlns:a16="http://schemas.microsoft.com/office/drawing/2014/main" id="{01C1B8A1-540B-4776-A4D6-B3CF03A97663}"/>
+              </a:ext>
+            </a:extLst>
+          </p:cNvPr>
+          <p:cNvPicPr>
+            <a:picLocks noChangeAspect="1"/>
+          </p:cNvPicPr>
+          <p:nvPr/>
+        </p:nvPicPr>
+        <p:blipFill rotWithShape="1">
+          <a:blip r:embed="rId8"/>
+          <a:srcRect l="12080" r="12269"/>
+          <a:stretch/>
+        </p:blipFill>
+        <p:spPr>
+          <a:xfrm>
+            <a:off x="8045228" y="3206358"/>
+            <a:ext cx="654605" cy="868068"/>
+          </a:xfrm>
+          <a:prstGeom prst="rect">
+            <a:avLst/>
+          </a:prstGeom>
+        </p:spPr>
+      </p:pic>
+      <p:pic>
+        <p:nvPicPr>
+          <p:cNvPr id="44" name="Picture 43">
+            <a:extLst>
+              <a:ext uri="{FF2B5EF4-FFF2-40B4-BE49-F238E27FC236}">
+                <a16:creationId xmlns:a16="http://schemas.microsoft.com/office/drawing/2014/main" id="{3144B405-91D0-4F86-BA67-8E1DCD4F2BED}"/>
+              </a:ext>
+            </a:extLst>
+          </p:cNvPr>
+          <p:cNvPicPr>
+            <a:picLocks noChangeAspect="1"/>
+          </p:cNvPicPr>
+          <p:nvPr/>
+        </p:nvPicPr>
+        <p:blipFill rotWithShape="1">
+          <a:blip r:embed="rId8"/>
+          <a:srcRect l="12080" r="12269"/>
+          <a:stretch/>
+        </p:blipFill>
+        <p:spPr>
+          <a:xfrm>
+            <a:off x="8024452" y="2280713"/>
+            <a:ext cx="654605" cy="868068"/>
+          </a:xfrm>
+          <a:prstGeom prst="rect">
+            <a:avLst/>
+          </a:prstGeom>
+        </p:spPr>
+      </p:pic>
+      <p:pic>
+        <p:nvPicPr>
+          <p:cNvPr id="46" name="Picture 45">
+            <a:extLst>
+              <a:ext uri="{FF2B5EF4-FFF2-40B4-BE49-F238E27FC236}">
+                <a16:creationId xmlns:a16="http://schemas.microsoft.com/office/drawing/2014/main" id="{E2AF7BD1-0015-4AEB-8271-9CD9951EE239}"/>
+              </a:ext>
+            </a:extLst>
+          </p:cNvPr>
+          <p:cNvPicPr>
+            <a:picLocks noChangeAspect="1"/>
+          </p:cNvPicPr>
+          <p:nvPr/>
+        </p:nvPicPr>
+        <p:blipFill rotWithShape="1">
+          <a:blip r:embed="rId8"/>
+          <a:srcRect l="12080" r="12269"/>
+          <a:stretch/>
+        </p:blipFill>
+        <p:spPr>
+          <a:xfrm>
+            <a:off x="11353664" y="3161185"/>
+            <a:ext cx="654605" cy="868068"/>
+          </a:xfrm>
+          <a:prstGeom prst="rect">
+            <a:avLst/>
+          </a:prstGeom>
+        </p:spPr>
+      </p:pic>
+      <p:pic>
+        <p:nvPicPr>
+          <p:cNvPr id="47" name="Picture 46">
+            <a:extLst>
+              <a:ext uri="{FF2B5EF4-FFF2-40B4-BE49-F238E27FC236}">
+                <a16:creationId xmlns:a16="http://schemas.microsoft.com/office/drawing/2014/main" id="{DE0508BC-1E82-46A5-8D79-621B9323083F}"/>
+              </a:ext>
+            </a:extLst>
+          </p:cNvPr>
+          <p:cNvPicPr>
+            <a:picLocks noChangeAspect="1"/>
+          </p:cNvPicPr>
+          <p:nvPr/>
+        </p:nvPicPr>
+        <p:blipFill rotWithShape="1">
+          <a:blip r:embed="rId8"/>
+          <a:srcRect l="12080" r="12269"/>
+          <a:stretch/>
+        </p:blipFill>
+        <p:spPr>
+          <a:xfrm>
+            <a:off x="11332888" y="2235540"/>
+            <a:ext cx="654605" cy="868068"/>
+          </a:xfrm>
+          <a:prstGeom prst="rect">
+            <a:avLst/>
+          </a:prstGeom>
+        </p:spPr>
+      </p:pic>
     </p:spTree>
     <p:extLst>
       <p:ext uri="{BB962C8B-B14F-4D97-AF65-F5344CB8AC3E}">
@@ -11237,6 +11595,122 @@
           </p:style>
         </p:cxnSp>
       </p:grpSp>
+      <p:pic>
+        <p:nvPicPr>
+          <p:cNvPr id="60" name="Picture 59">
+            <a:extLst>
+              <a:ext uri="{FF2B5EF4-FFF2-40B4-BE49-F238E27FC236}">
+                <a16:creationId xmlns:a16="http://schemas.microsoft.com/office/drawing/2014/main" id="{588DF5B0-BAED-4A3D-8FF7-A8ADE8E7D523}"/>
+              </a:ext>
+            </a:extLst>
+          </p:cNvPr>
+          <p:cNvPicPr>
+            <a:picLocks noChangeAspect="1"/>
+          </p:cNvPicPr>
+          <p:nvPr/>
+        </p:nvPicPr>
+        <p:blipFill rotWithShape="1">
+          <a:blip r:embed="rId7"/>
+          <a:srcRect l="12080" r="12269"/>
+          <a:stretch/>
+        </p:blipFill>
+        <p:spPr>
+          <a:xfrm>
+            <a:off x="9569097" y="2654881"/>
+            <a:ext cx="611404" cy="810779"/>
+          </a:xfrm>
+          <a:prstGeom prst="rect">
+            <a:avLst/>
+          </a:prstGeom>
+        </p:spPr>
+      </p:pic>
+      <p:pic>
+        <p:nvPicPr>
+          <p:cNvPr id="61" name="Picture 60">
+            <a:extLst>
+              <a:ext uri="{FF2B5EF4-FFF2-40B4-BE49-F238E27FC236}">
+                <a16:creationId xmlns:a16="http://schemas.microsoft.com/office/drawing/2014/main" id="{4770E1EC-F4EA-4A6B-87B6-7FBFBC4A59D1}"/>
+              </a:ext>
+            </a:extLst>
+          </p:cNvPr>
+          <p:cNvPicPr>
+            <a:picLocks noChangeAspect="1"/>
+          </p:cNvPicPr>
+          <p:nvPr/>
+        </p:nvPicPr>
+        <p:blipFill rotWithShape="1">
+          <a:blip r:embed="rId7"/>
+          <a:srcRect l="12080" r="12269"/>
+          <a:stretch/>
+        </p:blipFill>
+        <p:spPr>
+          <a:xfrm>
+            <a:off x="9548321" y="1828902"/>
+            <a:ext cx="611404" cy="810779"/>
+          </a:xfrm>
+          <a:prstGeom prst="rect">
+            <a:avLst/>
+          </a:prstGeom>
+        </p:spPr>
+      </p:pic>
+      <p:pic>
+        <p:nvPicPr>
+          <p:cNvPr id="62" name="Picture 61">
+            <a:extLst>
+              <a:ext uri="{FF2B5EF4-FFF2-40B4-BE49-F238E27FC236}">
+                <a16:creationId xmlns:a16="http://schemas.microsoft.com/office/drawing/2014/main" id="{3AE92CAC-3ACA-41AC-A9A9-3056CCDEB712}"/>
+              </a:ext>
+            </a:extLst>
+          </p:cNvPr>
+          <p:cNvPicPr>
+            <a:picLocks noChangeAspect="1"/>
+          </p:cNvPicPr>
+          <p:nvPr/>
+        </p:nvPicPr>
+        <p:blipFill rotWithShape="1">
+          <a:blip r:embed="rId7"/>
+          <a:srcRect l="12080" r="12269"/>
+          <a:stretch/>
+        </p:blipFill>
+        <p:spPr>
+          <a:xfrm>
+            <a:off x="9586104" y="4305086"/>
+            <a:ext cx="611404" cy="810779"/>
+          </a:xfrm>
+          <a:prstGeom prst="rect">
+            <a:avLst/>
+          </a:prstGeom>
+        </p:spPr>
+      </p:pic>
+      <p:pic>
+        <p:nvPicPr>
+          <p:cNvPr id="63" name="Picture 62">
+            <a:extLst>
+              <a:ext uri="{FF2B5EF4-FFF2-40B4-BE49-F238E27FC236}">
+                <a16:creationId xmlns:a16="http://schemas.microsoft.com/office/drawing/2014/main" id="{21C108DE-09B3-4321-A984-1C9AF99AFF4F}"/>
+              </a:ext>
+            </a:extLst>
+          </p:cNvPr>
+          <p:cNvPicPr>
+            <a:picLocks noChangeAspect="1"/>
+          </p:cNvPicPr>
+          <p:nvPr/>
+        </p:nvPicPr>
+        <p:blipFill rotWithShape="1">
+          <a:blip r:embed="rId7"/>
+          <a:srcRect l="12080" r="12269"/>
+          <a:stretch/>
+        </p:blipFill>
+        <p:spPr>
+          <a:xfrm>
+            <a:off x="9590998" y="3463022"/>
+            <a:ext cx="611404" cy="810779"/>
+          </a:xfrm>
+          <a:prstGeom prst="rect">
+            <a:avLst/>
+          </a:prstGeom>
+        </p:spPr>
+      </p:pic>
     </p:spTree>
     <p:extLst>
       <p:ext uri="{BB962C8B-B14F-4D97-AF65-F5344CB8AC3E}">
